--- a/ProjectIdeas.pptx
+++ b/ProjectIdeas.pptx
@@ -220,7 +220,7 @@
           <a:p>
             <a:fld id="{C149AC15-CFC1-FA44-B755-7A1E8B92F048}" type="datetimeFigureOut">
               <a:rPr lang="en-US" smtClean="0"/>
-              <a:t>2/16/2018</a:t>
+              <a:t>3/1/18</a:t>
             </a:fld>
             <a:endParaRPr lang="en-US"/>
           </a:p>
@@ -655,6 +655,366 @@
 </p:notes>
 </file>
 
+<file path=ppt/notesSlides/notesSlide3.xml><?xml version="1.0" encoding="utf-8"?>
+<p:notes xmlns:a="http://schemas.openxmlformats.org/drawingml/2006/main" xmlns:r="http://schemas.openxmlformats.org/officeDocument/2006/relationships" xmlns:p="http://schemas.openxmlformats.org/presentationml/2006/main">
+  <p:cSld>
+    <p:spTree>
+      <p:nvGrpSpPr>
+        <p:cNvPr id="1" name=""/>
+        <p:cNvGrpSpPr/>
+        <p:nvPr/>
+      </p:nvGrpSpPr>
+      <p:grpSpPr>
+        <a:xfrm>
+          <a:off x="0" y="0"/>
+          <a:ext cx="0" cy="0"/>
+          <a:chOff x="0" y="0"/>
+          <a:chExt cx="0" cy="0"/>
+        </a:xfrm>
+      </p:grpSpPr>
+      <p:sp>
+        <p:nvSpPr>
+          <p:cNvPr id="2" name="Slide Image Placeholder 1"/>
+          <p:cNvSpPr>
+            <a:spLocks noGrp="1" noRot="1" noChangeAspect="1"/>
+          </p:cNvSpPr>
+          <p:nvPr>
+            <p:ph type="sldImg"/>
+          </p:nvPr>
+        </p:nvSpPr>
+        <p:spPr/>
+      </p:sp>
+      <p:sp>
+        <p:nvSpPr>
+          <p:cNvPr id="3" name="Notes Placeholder 2"/>
+          <p:cNvSpPr>
+            <a:spLocks noGrp="1"/>
+          </p:cNvSpPr>
+          <p:nvPr>
+            <p:ph type="body" idx="1"/>
+          </p:nvPr>
+        </p:nvSpPr>
+        <p:spPr/>
+        <p:txBody>
+          <a:bodyPr/>
+          <a:lstStyle/>
+          <a:p>
+            <a:r>
+              <a:rPr lang="en-US" dirty="0" smtClean="0"/>
+              <a:t>Selective learning. Speaker identity encoding. Gaussian</a:t>
+            </a:r>
+            <a:r>
+              <a:rPr lang="en-US" baseline="0" dirty="0" smtClean="0"/>
+              <a:t> mask to remove speaker-related information</a:t>
+            </a:r>
+            <a:endParaRPr lang="en-US" dirty="0"/>
+          </a:p>
+        </p:txBody>
+      </p:sp>
+      <p:sp>
+        <p:nvSpPr>
+          <p:cNvPr id="4" name="Slide Number Placeholder 3"/>
+          <p:cNvSpPr>
+            <a:spLocks noGrp="1"/>
+          </p:cNvSpPr>
+          <p:nvPr>
+            <p:ph type="sldNum" sz="quarter" idx="10"/>
+          </p:nvPr>
+        </p:nvSpPr>
+        <p:spPr/>
+        <p:txBody>
+          <a:bodyPr/>
+          <a:lstStyle/>
+          <a:p>
+            <a:fld id="{B280DF1B-015B-9749-A5C5-5BC1DCB369C3}" type="slidenum">
+              <a:rPr lang="en-US" smtClean="0"/>
+              <a:t>6</a:t>
+            </a:fld>
+            <a:endParaRPr lang="en-US"/>
+          </a:p>
+        </p:txBody>
+      </p:sp>
+    </p:spTree>
+    <p:extLst>
+      <p:ext uri="{BB962C8B-B14F-4D97-AF65-F5344CB8AC3E}">
+        <p14:creationId xmlns:p14="http://schemas.microsoft.com/office/powerpoint/2010/main" val="559223280"/>
+      </p:ext>
+    </p:extLst>
+  </p:cSld>
+  <p:clrMapOvr>
+    <a:masterClrMapping/>
+  </p:clrMapOvr>
+</p:notes>
+</file>
+
+<file path=ppt/notesSlides/notesSlide4.xml><?xml version="1.0" encoding="utf-8"?>
+<p:notes xmlns:a="http://schemas.openxmlformats.org/drawingml/2006/main" xmlns:r="http://schemas.openxmlformats.org/officeDocument/2006/relationships" xmlns:p="http://schemas.openxmlformats.org/presentationml/2006/main">
+  <p:cSld>
+    <p:spTree>
+      <p:nvGrpSpPr>
+        <p:cNvPr id="1" name=""/>
+        <p:cNvGrpSpPr/>
+        <p:nvPr/>
+      </p:nvGrpSpPr>
+      <p:grpSpPr>
+        <a:xfrm>
+          <a:off x="0" y="0"/>
+          <a:ext cx="0" cy="0"/>
+          <a:chOff x="0" y="0"/>
+          <a:chExt cx="0" cy="0"/>
+        </a:xfrm>
+      </p:grpSpPr>
+      <p:sp>
+        <p:nvSpPr>
+          <p:cNvPr id="2" name="Slide Image Placeholder 1"/>
+          <p:cNvSpPr>
+            <a:spLocks noGrp="1" noRot="1" noChangeAspect="1"/>
+          </p:cNvSpPr>
+          <p:nvPr>
+            <p:ph type="sldImg"/>
+          </p:nvPr>
+        </p:nvSpPr>
+        <p:spPr/>
+      </p:sp>
+      <p:sp>
+        <p:nvSpPr>
+          <p:cNvPr id="3" name="Notes Placeholder 2"/>
+          <p:cNvSpPr>
+            <a:spLocks noGrp="1"/>
+          </p:cNvSpPr>
+          <p:nvPr>
+            <p:ph type="body" idx="1"/>
+          </p:nvPr>
+        </p:nvSpPr>
+        <p:spPr/>
+        <p:txBody>
+          <a:bodyPr/>
+          <a:lstStyle/>
+          <a:p>
+            <a:r>
+              <a:rPr lang="en-US" dirty="0" smtClean="0"/>
+              <a:t>Vision + NLP</a:t>
+            </a:r>
+            <a:endParaRPr lang="en-US" dirty="0"/>
+          </a:p>
+        </p:txBody>
+      </p:sp>
+      <p:sp>
+        <p:nvSpPr>
+          <p:cNvPr id="4" name="Slide Number Placeholder 3"/>
+          <p:cNvSpPr>
+            <a:spLocks noGrp="1"/>
+          </p:cNvSpPr>
+          <p:nvPr>
+            <p:ph type="sldNum" sz="quarter" idx="10"/>
+          </p:nvPr>
+        </p:nvSpPr>
+        <p:spPr/>
+        <p:txBody>
+          <a:bodyPr/>
+          <a:lstStyle/>
+          <a:p>
+            <a:fld id="{B280DF1B-015B-9749-A5C5-5BC1DCB369C3}" type="slidenum">
+              <a:rPr lang="en-US" smtClean="0"/>
+              <a:t>10</a:t>
+            </a:fld>
+            <a:endParaRPr lang="en-US"/>
+          </a:p>
+        </p:txBody>
+      </p:sp>
+    </p:spTree>
+    <p:extLst>
+      <p:ext uri="{BB962C8B-B14F-4D97-AF65-F5344CB8AC3E}">
+        <p14:creationId xmlns:p14="http://schemas.microsoft.com/office/powerpoint/2010/main" val="1858720320"/>
+      </p:ext>
+    </p:extLst>
+  </p:cSld>
+  <p:clrMapOvr>
+    <a:masterClrMapping/>
+  </p:clrMapOvr>
+</p:notes>
+</file>
+
+<file path=ppt/notesSlides/notesSlide5.xml><?xml version="1.0" encoding="utf-8"?>
+<p:notes xmlns:a="http://schemas.openxmlformats.org/drawingml/2006/main" xmlns:r="http://schemas.openxmlformats.org/officeDocument/2006/relationships" xmlns:p="http://schemas.openxmlformats.org/presentationml/2006/main">
+  <p:cSld>
+    <p:spTree>
+      <p:nvGrpSpPr>
+        <p:cNvPr id="1" name=""/>
+        <p:cNvGrpSpPr/>
+        <p:nvPr/>
+      </p:nvGrpSpPr>
+      <p:grpSpPr>
+        <a:xfrm>
+          <a:off x="0" y="0"/>
+          <a:ext cx="0" cy="0"/>
+          <a:chOff x="0" y="0"/>
+          <a:chExt cx="0" cy="0"/>
+        </a:xfrm>
+      </p:grpSpPr>
+      <p:sp>
+        <p:nvSpPr>
+          <p:cNvPr id="2" name="Slide Image Placeholder 1"/>
+          <p:cNvSpPr>
+            <a:spLocks noGrp="1" noRot="1" noChangeAspect="1"/>
+          </p:cNvSpPr>
+          <p:nvPr>
+            <p:ph type="sldImg"/>
+          </p:nvPr>
+        </p:nvSpPr>
+        <p:spPr/>
+      </p:sp>
+      <p:sp>
+        <p:nvSpPr>
+          <p:cNvPr id="3" name="Notes Placeholder 2"/>
+          <p:cNvSpPr>
+            <a:spLocks noGrp="1"/>
+          </p:cNvSpPr>
+          <p:nvPr>
+            <p:ph type="body" idx="1"/>
+          </p:nvPr>
+        </p:nvSpPr>
+        <p:spPr/>
+        <p:txBody>
+          <a:bodyPr/>
+          <a:lstStyle/>
+          <a:p>
+            <a:r>
+              <a:rPr lang="en-US" dirty="0" smtClean="0"/>
+              <a:t>pass</a:t>
+            </a:r>
+            <a:endParaRPr lang="en-US" dirty="0"/>
+          </a:p>
+        </p:txBody>
+      </p:sp>
+      <p:sp>
+        <p:nvSpPr>
+          <p:cNvPr id="4" name="Slide Number Placeholder 3"/>
+          <p:cNvSpPr>
+            <a:spLocks noGrp="1"/>
+          </p:cNvSpPr>
+          <p:nvPr>
+            <p:ph type="sldNum" sz="quarter" idx="10"/>
+          </p:nvPr>
+        </p:nvSpPr>
+        <p:spPr/>
+        <p:txBody>
+          <a:bodyPr/>
+          <a:lstStyle/>
+          <a:p>
+            <a:fld id="{B280DF1B-015B-9749-A5C5-5BC1DCB369C3}" type="slidenum">
+              <a:rPr lang="en-US" smtClean="0"/>
+              <a:t>11</a:t>
+            </a:fld>
+            <a:endParaRPr lang="en-US"/>
+          </a:p>
+        </p:txBody>
+      </p:sp>
+    </p:spTree>
+    <p:extLst>
+      <p:ext uri="{BB962C8B-B14F-4D97-AF65-F5344CB8AC3E}">
+        <p14:creationId xmlns:p14="http://schemas.microsoft.com/office/powerpoint/2010/main" val="1693216434"/>
+      </p:ext>
+    </p:extLst>
+  </p:cSld>
+  <p:clrMapOvr>
+    <a:masterClrMapping/>
+  </p:clrMapOvr>
+</p:notes>
+</file>
+
+<file path=ppt/notesSlides/notesSlide6.xml><?xml version="1.0" encoding="utf-8"?>
+<p:notes xmlns:a="http://schemas.openxmlformats.org/drawingml/2006/main" xmlns:r="http://schemas.openxmlformats.org/officeDocument/2006/relationships" xmlns:p="http://schemas.openxmlformats.org/presentationml/2006/main">
+  <p:cSld>
+    <p:spTree>
+      <p:nvGrpSpPr>
+        <p:cNvPr id="1" name=""/>
+        <p:cNvGrpSpPr/>
+        <p:nvPr/>
+      </p:nvGrpSpPr>
+      <p:grpSpPr>
+        <a:xfrm>
+          <a:off x="0" y="0"/>
+          <a:ext cx="0" cy="0"/>
+          <a:chOff x="0" y="0"/>
+          <a:chExt cx="0" cy="0"/>
+        </a:xfrm>
+      </p:grpSpPr>
+      <p:sp>
+        <p:nvSpPr>
+          <p:cNvPr id="2" name="Slide Image Placeholder 1"/>
+          <p:cNvSpPr>
+            <a:spLocks noGrp="1" noRot="1" noChangeAspect="1"/>
+          </p:cNvSpPr>
+          <p:nvPr>
+            <p:ph type="sldImg"/>
+          </p:nvPr>
+        </p:nvSpPr>
+        <p:spPr/>
+      </p:sp>
+      <p:sp>
+        <p:nvSpPr>
+          <p:cNvPr id="3" name="Notes Placeholder 2"/>
+          <p:cNvSpPr>
+            <a:spLocks noGrp="1"/>
+          </p:cNvSpPr>
+          <p:nvPr>
+            <p:ph type="body" idx="1"/>
+          </p:nvPr>
+        </p:nvSpPr>
+        <p:spPr/>
+        <p:txBody>
+          <a:bodyPr/>
+          <a:lstStyle/>
+          <a:p>
+            <a:r>
+              <a:rPr lang="zh-CN" altLang="en-US" dirty="0" smtClean="0"/>
+              <a:t>有点麻烦 </a:t>
+            </a:r>
+            <a:r>
+              <a:rPr lang="en-US" altLang="zh-CN" smtClean="0"/>
+              <a:t>evaluation hard</a:t>
+            </a:r>
+            <a:endParaRPr lang="en-US"/>
+          </a:p>
+        </p:txBody>
+      </p:sp>
+      <p:sp>
+        <p:nvSpPr>
+          <p:cNvPr id="4" name="Slide Number Placeholder 3"/>
+          <p:cNvSpPr>
+            <a:spLocks noGrp="1"/>
+          </p:cNvSpPr>
+          <p:nvPr>
+            <p:ph type="sldNum" sz="quarter" idx="10"/>
+          </p:nvPr>
+        </p:nvSpPr>
+        <p:spPr/>
+        <p:txBody>
+          <a:bodyPr/>
+          <a:lstStyle/>
+          <a:p>
+            <a:fld id="{B280DF1B-015B-9749-A5C5-5BC1DCB369C3}" type="slidenum">
+              <a:rPr lang="en-US" smtClean="0"/>
+              <a:t>12</a:t>
+            </a:fld>
+            <a:endParaRPr lang="en-US"/>
+          </a:p>
+        </p:txBody>
+      </p:sp>
+    </p:spTree>
+    <p:extLst>
+      <p:ext uri="{BB962C8B-B14F-4D97-AF65-F5344CB8AC3E}">
+        <p14:creationId xmlns:p14="http://schemas.microsoft.com/office/powerpoint/2010/main" val="160597478"/>
+      </p:ext>
+    </p:extLst>
+  </p:cSld>
+  <p:clrMapOvr>
+    <a:masterClrMapping/>
+  </p:clrMapOvr>
+</p:notes>
+</file>
+
 <file path=ppt/slideLayouts/slideLayout1.xml><?xml version="1.0" encoding="utf-8"?>
 <p:sldLayout xmlns:a="http://schemas.openxmlformats.org/drawingml/2006/main" xmlns:r="http://schemas.openxmlformats.org/officeDocument/2006/relationships" xmlns:p="http://schemas.openxmlformats.org/presentationml/2006/main" type="title" preserve="1">
   <p:cSld name="Title Slide">
@@ -786,7 +1146,7 @@
           <a:p>
             <a:fld id="{4BF406D2-D080-40A0-B0A6-DAAE706D5EC1}" type="datetimeFigureOut">
               <a:rPr lang="en-US" smtClean="0"/>
-              <a:t>2/16/2018</a:t>
+              <a:t>3/1/18</a:t>
             </a:fld>
             <a:endParaRPr lang="en-US"/>
           </a:p>
@@ -956,7 +1316,7 @@
           <a:p>
             <a:fld id="{4BF406D2-D080-40A0-B0A6-DAAE706D5EC1}" type="datetimeFigureOut">
               <a:rPr lang="en-US" smtClean="0"/>
-              <a:t>2/16/2018</a:t>
+              <a:t>3/1/18</a:t>
             </a:fld>
             <a:endParaRPr lang="en-US"/>
           </a:p>
@@ -1136,7 +1496,7 @@
           <a:p>
             <a:fld id="{4BF406D2-D080-40A0-B0A6-DAAE706D5EC1}" type="datetimeFigureOut">
               <a:rPr lang="en-US" smtClean="0"/>
-              <a:t>2/16/2018</a:t>
+              <a:t>3/1/18</a:t>
             </a:fld>
             <a:endParaRPr lang="en-US"/>
           </a:p>
@@ -1331,7 +1691,7 @@
           <a:p>
             <a:fld id="{4BF406D2-D080-40A0-B0A6-DAAE706D5EC1}" type="datetimeFigureOut">
               <a:rPr lang="en-US" smtClean="0"/>
-              <a:t>2/16/2018</a:t>
+              <a:t>3/1/18</a:t>
             </a:fld>
             <a:endParaRPr lang="en-US"/>
           </a:p>
@@ -1575,7 +1935,7 @@
           <a:p>
             <a:fld id="{4BF406D2-D080-40A0-B0A6-DAAE706D5EC1}" type="datetimeFigureOut">
               <a:rPr lang="en-US" smtClean="0"/>
-              <a:t>2/16/2018</a:t>
+              <a:t>3/1/18</a:t>
             </a:fld>
             <a:endParaRPr lang="en-US"/>
           </a:p>
@@ -1807,7 +2167,7 @@
           <a:p>
             <a:fld id="{4BF406D2-D080-40A0-B0A6-DAAE706D5EC1}" type="datetimeFigureOut">
               <a:rPr lang="en-US" smtClean="0"/>
-              <a:t>2/16/2018</a:t>
+              <a:t>3/1/18</a:t>
             </a:fld>
             <a:endParaRPr lang="en-US"/>
           </a:p>
@@ -2174,7 +2534,7 @@
           <a:p>
             <a:fld id="{4BF406D2-D080-40A0-B0A6-DAAE706D5EC1}" type="datetimeFigureOut">
               <a:rPr lang="en-US" smtClean="0"/>
-              <a:t>2/16/2018</a:t>
+              <a:t>3/1/18</a:t>
             </a:fld>
             <a:endParaRPr lang="en-US"/>
           </a:p>
@@ -2292,7 +2652,7 @@
           <a:p>
             <a:fld id="{4BF406D2-D080-40A0-B0A6-DAAE706D5EC1}" type="datetimeFigureOut">
               <a:rPr lang="en-US" smtClean="0"/>
-              <a:t>2/16/2018</a:t>
+              <a:t>3/1/18</a:t>
             </a:fld>
             <a:endParaRPr lang="en-US"/>
           </a:p>
@@ -2387,7 +2747,7 @@
           <a:p>
             <a:fld id="{4BF406D2-D080-40A0-B0A6-DAAE706D5EC1}" type="datetimeFigureOut">
               <a:rPr lang="en-US" smtClean="0"/>
-              <a:t>2/16/2018</a:t>
+              <a:t>3/1/18</a:t>
             </a:fld>
             <a:endParaRPr lang="en-US"/>
           </a:p>
@@ -2664,7 +3024,7 @@
           <a:p>
             <a:fld id="{4BF406D2-D080-40A0-B0A6-DAAE706D5EC1}" type="datetimeFigureOut">
               <a:rPr lang="en-US" smtClean="0"/>
-              <a:t>2/16/2018</a:t>
+              <a:t>3/1/18</a:t>
             </a:fld>
             <a:endParaRPr lang="en-US"/>
           </a:p>
@@ -2921,7 +3281,7 @@
           <a:p>
             <a:fld id="{4BF406D2-D080-40A0-B0A6-DAAE706D5EC1}" type="datetimeFigureOut">
               <a:rPr lang="en-US" smtClean="0"/>
-              <a:t>2/16/2018</a:t>
+              <a:t>3/1/18</a:t>
             </a:fld>
             <a:endParaRPr lang="en-US"/>
           </a:p>
@@ -3134,7 +3494,7 @@
           <a:p>
             <a:fld id="{4BF406D2-D080-40A0-B0A6-DAAE706D5EC1}" type="datetimeFigureOut">
               <a:rPr lang="en-US" smtClean="0"/>
-              <a:t>2/16/2018</a:t>
+              <a:t>3/1/18</a:t>
             </a:fld>
             <a:endParaRPr lang="en-US"/>
           </a:p>
@@ -3892,7 +4252,7 @@
 </file>
 
 <file path=ppt/slides/slide11.xml><?xml version="1.0" encoding="utf-8"?>
-<p:sld xmlns:a="http://schemas.openxmlformats.org/drawingml/2006/main" xmlns:r="http://schemas.openxmlformats.org/officeDocument/2006/relationships" xmlns:p="http://schemas.openxmlformats.org/presentationml/2006/main">
+<p:sld xmlns:a="http://schemas.openxmlformats.org/drawingml/2006/main" xmlns:r="http://schemas.openxmlformats.org/officeDocument/2006/relationships" xmlns:p="http://schemas.openxmlformats.org/presentationml/2006/main" show="0">
   <p:cSld>
     <p:spTree>
       <p:nvGrpSpPr>
@@ -4027,6 +4387,14 @@
   <p:clrMapOvr>
     <a:masterClrMapping/>
   </p:clrMapOvr>
+  <mc:AlternateContent xmlns:mc="http://schemas.openxmlformats.org/markup-compatibility/2006">
+    <mc:Choice xmlns:p14="http://schemas.microsoft.com/office/powerpoint/2010/main" Requires="p14">
+      <p:transition spd="slow" p14:dur="2000"/>
+    </mc:Choice>
+    <mc:Fallback>
+      <p:transition spd="slow"/>
+    </mc:Fallback>
+  </mc:AlternateContent>
 </p:sld>
 </file>
 
